--- a/CalculatorVaddinApp.pptx
+++ b/CalculatorVaddinApp.pptx
@@ -174,7 +174,7 @@
   <pc:docChgLst>
     <pc:chgData name="s j" userId="ce26f866a7af610d" providerId="LiveId" clId="{F780EBB3-D6CA-4A96-A199-E738E37EE952}"/>
     <pc:docChg chg="modSld">
-      <pc:chgData name="s j" userId="ce26f866a7af610d" providerId="LiveId" clId="{F780EBB3-D6CA-4A96-A199-E738E37EE952}" dt="2020-06-12T15:14:15.739" v="17"/>
+      <pc:chgData name="s j" userId="ce26f866a7af610d" providerId="LiveId" clId="{F780EBB3-D6CA-4A96-A199-E738E37EE952}" dt="2020-06-12T15:48:47.784" v="23" actId="790"/>
       <pc:docMkLst>
         <pc:docMk/>
       </pc:docMkLst>
@@ -403,12 +403,20 @@
           </ac:picMkLst>
         </pc:picChg>
       </pc:sldChg>
-      <pc:sldChg chg="modSp">
-        <pc:chgData name="s j" userId="ce26f866a7af610d" providerId="LiveId" clId="{F780EBB3-D6CA-4A96-A199-E738E37EE952}" dt="2020-06-12T15:12:14.573" v="2"/>
+      <pc:sldChg chg="modSp mod">
+        <pc:chgData name="s j" userId="ce26f866a7af610d" providerId="LiveId" clId="{F780EBB3-D6CA-4A96-A199-E738E37EE952}" dt="2020-06-12T15:48:47.784" v="23" actId="790"/>
         <pc:sldMkLst>
           <pc:docMk/>
           <pc:sldMk cId="0" sldId="273"/>
         </pc:sldMkLst>
+        <pc:spChg chg="mod">
+          <ac:chgData name="s j" userId="ce26f866a7af610d" providerId="LiveId" clId="{F780EBB3-D6CA-4A96-A199-E738E37EE952}" dt="2020-06-12T15:48:47.784" v="23" actId="790"/>
+          <ac:spMkLst>
+            <pc:docMk/>
+            <pc:sldMk cId="0" sldId="273"/>
+            <ac:spMk id="5" creationId="{0FA17D6B-6152-4C51-8C41-A14B83BDEFF0}"/>
+          </ac:spMkLst>
+        </pc:spChg>
         <pc:picChg chg="mod">
           <ac:chgData name="s j" userId="ce26f866a7af610d" providerId="LiveId" clId="{F780EBB3-D6CA-4A96-A199-E738E37EE952}" dt="2020-06-12T15:12:14.573" v="2"/>
           <ac:picMkLst>
@@ -15475,7 +15483,7 @@
               <a:defRPr/>
             </a:pPr>
             <a:r>
-              <a:rPr b="1" dirty="0"/>
+              <a:rPr lang="en-US" b="1" dirty="0"/>
               <a:t>Lombok</a:t>
             </a:r>
           </a:p>
@@ -15489,10 +15497,10 @@
               <a:defRPr/>
             </a:pPr>
             <a:r>
-              <a:rPr dirty="0"/>
+              <a:rPr lang="en-US" dirty="0"/>
               <a:t>	another library to get familiar with, makes code cleaner, less 	verbosity, easy to use, suggested by a mentor</a:t>
             </a:r>
-            <a:endParaRPr b="1" dirty="0"/>
+            <a:endParaRPr lang="en-US" b="1" dirty="0"/>
           </a:p>
           <a:p>
             <a:pPr algn="just" eaLnBrk="1" fontAlgn="auto" hangingPunct="1">
@@ -15502,7 +15510,7 @@
               <a:defRPr/>
             </a:pPr>
             <a:r>
-              <a:rPr b="1" dirty="0"/>
+              <a:rPr lang="en-US" b="1" dirty="0"/>
               <a:t>MySQL Workbench</a:t>
             </a:r>
           </a:p>
@@ -15516,7 +15524,7 @@
               <a:defRPr/>
             </a:pPr>
             <a:r>
-              <a:rPr dirty="0"/>
+              <a:rPr lang="en-US" dirty="0"/>
               <a:t>	for project databases, acquiring different views and results 	according to the functions in the project</a:t>
             </a:r>
           </a:p>
@@ -15529,7 +15537,7 @@
               <a:buNone/>
               <a:defRPr/>
             </a:pPr>
-            <a:endParaRPr dirty="0"/>
+            <a:endParaRPr lang="en-US" dirty="0"/>
           </a:p>
           <a:p>
             <a:pPr algn="just" eaLnBrk="1" fontAlgn="auto" hangingPunct="1">
@@ -15539,19 +15547,19 @@
               <a:defRPr/>
             </a:pPr>
             <a:r>
-              <a:rPr b="1" dirty="0"/>
-              <a:t>Maven, HTML, CSS, </a:t>
+              <a:rPr lang="en-US" b="1" dirty="0"/>
+              <a:t>Git, Maven, HTML, CSS, </a:t>
             </a:r>
             <a:r>
-              <a:rPr b="1" dirty="0" err="1"/>
+              <a:rPr lang="en-US" b="1" dirty="0" err="1"/>
               <a:t>Lucidchart</a:t>
             </a:r>
             <a:r>
-              <a:rPr b="1" dirty="0"/>
+              <a:rPr lang="en-US" b="1" dirty="0"/>
               <a:t> </a:t>
             </a:r>
             <a:r>
-              <a:rPr dirty="0"/>
+              <a:rPr lang="en-US" dirty="0"/>
               <a:t>(flow diagram design)</a:t>
             </a:r>
           </a:p>
